--- a/Лекции/ИТиП 2 лек 2.pptx
+++ b/Лекции/ИТиП 2 лек 2.pptx
@@ -243,7 +243,7 @@
             <a:fld id="{AA2F9473-F066-431E-A6E8-1D478C995A6B}" type="datetimeFigureOut">
               <a:rPr lang="en-US" smtClean="0"/>
               <a:pPr/>
-              <a:t>3/19/2024</a:t>
+              <a:t>2/10/2025</a:t>
             </a:fld>
             <a:endParaRPr lang="en-US"/>
           </a:p>
@@ -3549,7 +3549,7 @@
           <p:cNvPr id="9" name="Номер слайда 3">
             <a:extLst>
               <a:ext uri="{FF2B5EF4-FFF2-40B4-BE49-F238E27FC236}">
-                <a16:creationId xmlns:a16="http://schemas.microsoft.com/office/drawing/2014/main" xmlns="" id="{3DF48714-7FE4-4364-BF9D-28B9C9E2979D}"/>
+                <a16:creationId xmlns:a16="http://schemas.microsoft.com/office/drawing/2014/main" id="{3DF48714-7FE4-4364-BF9D-28B9C9E2979D}"/>
               </a:ext>
             </a:extLst>
           </p:cNvPr>
@@ -3688,7 +3688,7 @@
           <p:cNvPr id="7" name="Номер слайда 3">
             <a:extLst>
               <a:ext uri="{FF2B5EF4-FFF2-40B4-BE49-F238E27FC236}">
-                <a16:creationId xmlns:a16="http://schemas.microsoft.com/office/drawing/2014/main" xmlns="" id="{3DF48714-7FE4-4364-BF9D-28B9C9E2979D}"/>
+                <a16:creationId xmlns:a16="http://schemas.microsoft.com/office/drawing/2014/main" id="{3DF48714-7FE4-4364-BF9D-28B9C9E2979D}"/>
               </a:ext>
             </a:extLst>
           </p:cNvPr>
@@ -3970,7 +3970,7 @@
           <p:cNvPr id="9" name="Номер слайда 3">
             <a:extLst>
               <a:ext uri="{FF2B5EF4-FFF2-40B4-BE49-F238E27FC236}">
-                <a16:creationId xmlns:a16="http://schemas.microsoft.com/office/drawing/2014/main" xmlns="" id="{3DF48714-7FE4-4364-BF9D-28B9C9E2979D}"/>
+                <a16:creationId xmlns:a16="http://schemas.microsoft.com/office/drawing/2014/main" id="{3DF48714-7FE4-4364-BF9D-28B9C9E2979D}"/>
               </a:ext>
             </a:extLst>
           </p:cNvPr>
@@ -4428,7 +4428,7 @@
           <p:cNvPr id="17" name="Заголовок 16">
             <a:extLst>
               <a:ext uri="{FF2B5EF4-FFF2-40B4-BE49-F238E27FC236}">
-                <a16:creationId xmlns:a16="http://schemas.microsoft.com/office/drawing/2014/main" xmlns="" id="{D630362D-1F09-46B4-9DE4-AEA483AC82FD}"/>
+                <a16:creationId xmlns:a16="http://schemas.microsoft.com/office/drawing/2014/main" id="{D630362D-1F09-46B4-9DE4-AEA483AC82FD}"/>
               </a:ext>
             </a:extLst>
           </p:cNvPr>
@@ -4521,7 +4521,7 @@
                 <a:latin typeface="Bookman Old Style" panose="02050604050505020204" pitchFamily="18" charset="0"/>
                 <a:cs typeface="Times New Roman" panose="02020603050405020304" pitchFamily="18" charset="0"/>
               </a:rPr>
-              <a:t>Основы языка </a:t>
+              <a:t>Основы ООП в языке </a:t>
             </a:r>
             <a:r>
               <a:rPr lang="en-US" sz="2800" b="1" dirty="0">
@@ -4533,10 +4533,10 @@
                 <a:latin typeface="Bookman Old Style" panose="02050604050505020204" pitchFamily="18" charset="0"/>
                 <a:cs typeface="Times New Roman" panose="02020603050405020304" pitchFamily="18" charset="0"/>
               </a:rPr>
-              <a:t>C#</a:t>
-            </a:r>
-            <a:r>
-              <a:rPr lang="ru-RU" sz="2800" b="1" dirty="0">
+              <a:t>C</a:t>
+            </a:r>
+            <a:r>
+              <a:rPr lang="en-US" sz="2800" b="1" dirty="0" smtClean="0">
                 <a:solidFill>
                   <a:schemeClr val="tx2">
                     <a:lumMod val="50000"/>
@@ -4545,10 +4545,10 @@
                 <a:latin typeface="Bookman Old Style" panose="02050604050505020204" pitchFamily="18" charset="0"/>
                 <a:cs typeface="Times New Roman" panose="02020603050405020304" pitchFamily="18" charset="0"/>
               </a:rPr>
-              <a:t/>
-            </a:r>
-            <a:br>
-              <a:rPr lang="ru-RU" sz="2800" b="1" dirty="0">
+              <a:t>#</a:t>
+            </a:r>
+            <a:r>
+              <a:rPr lang="ru-RU" sz="2800" b="1" smtClean="0">
                 <a:solidFill>
                   <a:schemeClr val="tx2">
                     <a:lumMod val="50000"/>
@@ -4557,9 +4557,10 @@
                 <a:latin typeface="Bookman Old Style" panose="02050604050505020204" pitchFamily="18" charset="0"/>
                 <a:cs typeface="Times New Roman" panose="02020603050405020304" pitchFamily="18" charset="0"/>
               </a:rPr>
-            </a:br>
-            <a:r>
-              <a:rPr lang="en-US" sz="2800" b="1" dirty="0">
+              <a:t/>
+            </a:r>
+            <a:br>
+              <a:rPr lang="ru-RU" sz="2800" b="1" smtClean="0">
                 <a:solidFill>
                   <a:schemeClr val="tx2">
                     <a:lumMod val="50000"/>
@@ -4568,10 +4569,9 @@
                 <a:latin typeface="Bookman Old Style" panose="02050604050505020204" pitchFamily="18" charset="0"/>
                 <a:cs typeface="Times New Roman" panose="02020603050405020304" pitchFamily="18" charset="0"/>
               </a:rPr>
-              <a:t/>
-            </a:r>
-            <a:br>
-              <a:rPr lang="en-US" sz="2800" b="1" dirty="0">
+            </a:br>
+            <a:r>
+              <a:rPr lang="en-US" sz="2800" b="1" dirty="0" smtClean="0">
                 <a:solidFill>
                   <a:schemeClr val="tx2">
                     <a:lumMod val="50000"/>
@@ -4580,9 +4580,10 @@
                 <a:latin typeface="Bookman Old Style" panose="02050604050505020204" pitchFamily="18" charset="0"/>
                 <a:cs typeface="Times New Roman" panose="02020603050405020304" pitchFamily="18" charset="0"/>
               </a:rPr>
-            </a:br>
-            <a:r>
-              <a:rPr lang="ru-RU" sz="2800" b="1" dirty="0">
+              <a:t/>
+            </a:r>
+            <a:br>
+              <a:rPr lang="en-US" sz="2800" b="1" dirty="0" smtClean="0">
                 <a:solidFill>
                   <a:schemeClr val="tx2">
                     <a:lumMod val="50000"/>
@@ -4591,7 +4592,30 @@
                 <a:latin typeface="Bookman Old Style" panose="02050604050505020204" pitchFamily="18" charset="0"/>
                 <a:cs typeface="Times New Roman" panose="02020603050405020304" pitchFamily="18" charset="0"/>
               </a:rPr>
-              <a:t>Содержание лекции:</a:t>
+            </a:br>
+            <a:r>
+              <a:rPr lang="ru-RU" sz="2800" b="1" dirty="0" smtClean="0">
+                <a:solidFill>
+                  <a:schemeClr val="tx2">
+                    <a:lumMod val="50000"/>
+                  </a:schemeClr>
+                </a:solidFill>
+                <a:latin typeface="Bookman Old Style" panose="02050604050505020204" pitchFamily="18" charset="0"/>
+                <a:cs typeface="Times New Roman" panose="02020603050405020304" pitchFamily="18" charset="0"/>
+              </a:rPr>
+              <a:t>Содержание </a:t>
+            </a:r>
+            <a:r>
+              <a:rPr lang="ru-RU" sz="2800" b="1" dirty="0">
+                <a:solidFill>
+                  <a:schemeClr val="tx2">
+                    <a:lumMod val="50000"/>
+                  </a:schemeClr>
+                </a:solidFill>
+                <a:latin typeface="Bookman Old Style" panose="02050604050505020204" pitchFamily="18" charset="0"/>
+                <a:cs typeface="Times New Roman" panose="02020603050405020304" pitchFamily="18" charset="0"/>
+              </a:rPr>
+              <a:t>лекции:</a:t>
             </a:r>
             <a:endParaRPr lang="ru-RU" sz="2800" dirty="0">
               <a:latin typeface="Bookman Old Style" panose="02050604050505020204" pitchFamily="18" charset="0"/>
@@ -4679,7 +4703,7 @@
           <p:cNvPr id="12" name="TextBox 11">
             <a:extLst>
               <a:ext uri="{FF2B5EF4-FFF2-40B4-BE49-F238E27FC236}">
-                <a16:creationId xmlns:a16="http://schemas.microsoft.com/office/drawing/2014/main" xmlns="" id="{F7B00361-5492-4290-B470-295172C16526}"/>
+                <a16:creationId xmlns:a16="http://schemas.microsoft.com/office/drawing/2014/main" id="{F7B00361-5492-4290-B470-295172C16526}"/>
               </a:ext>
             </a:extLst>
           </p:cNvPr>
@@ -13424,13 +13448,7 @@
               <a:rPr lang="en-US" sz="2400" dirty="0" smtClean="0">
                 <a:latin typeface="Bookman Old Style" panose="02050604050505020204" pitchFamily="18" charset="0"/>
               </a:rPr>
-              <a:t>ulearn.me</a:t>
-            </a:r>
-            <a:r>
-              <a:rPr lang="en-US" sz="2400" dirty="0" smtClean="0">
-                <a:latin typeface="Bookman Old Style" panose="02050604050505020204" pitchFamily="18" charset="0"/>
-              </a:rPr>
-              <a:t>:</a:t>
+              <a:t>ulearn.me:</a:t>
             </a:r>
             <a:endParaRPr lang="ru-RU" sz="2400" dirty="0" smtClean="0">
               <a:latin typeface="Bookman Old Style" panose="02050604050505020204" pitchFamily="18" charset="0"/>

--- a/Лекции/ИТиП 2 лек 2.pptx
+++ b/Лекции/ИТиП 2 лек 2.pptx
@@ -251,7 +251,7 @@
             <a:fld id="{AA2F9473-F066-431E-A6E8-1D478C995A6B}" type="datetimeFigureOut">
               <a:rPr lang="en-US" smtClean="0"/>
               <a:pPr/>
-              <a:t>3/10/2025</a:t>
+              <a:t>3/11/2025</a:t>
             </a:fld>
             <a:endParaRPr lang="en-US"/>
           </a:p>
@@ -5468,19 +5468,7 @@
                 <a:latin typeface="Bookman Old Style" panose="02050604050505020204" pitchFamily="18" charset="0"/>
                 <a:cs typeface="Times New Roman" panose="02020603050405020304" pitchFamily="18" charset="0"/>
               </a:rPr>
-              <a:t>Статические </a:t>
-            </a:r>
-            <a:r>
-              <a:rPr lang="ru-RU" sz="2800" dirty="0" smtClean="0">
-                <a:solidFill>
-                  <a:schemeClr val="tx2">
-                    <a:lumMod val="50000"/>
-                  </a:schemeClr>
-                </a:solidFill>
-                <a:latin typeface="Bookman Old Style" panose="02050604050505020204" pitchFamily="18" charset="0"/>
-                <a:cs typeface="Times New Roman" panose="02020603050405020304" pitchFamily="18" charset="0"/>
-              </a:rPr>
-              <a:t>классы</a:t>
+              <a:t>Статические классы</a:t>
             </a:r>
             <a:endParaRPr lang="en-US" sz="2800" dirty="0" smtClean="0">
               <a:solidFill>
@@ -5509,15 +5497,6 @@
               </a:rPr>
               <a:t>Перегрузка операторов</a:t>
             </a:r>
-            <a:endParaRPr lang="ru-RU" sz="2800" dirty="0" smtClean="0">
-              <a:solidFill>
-                <a:schemeClr val="tx2">
-                  <a:lumMod val="50000"/>
-                </a:schemeClr>
-              </a:solidFill>
-              <a:latin typeface="Bookman Old Style" panose="02050604050505020204" pitchFamily="18" charset="0"/>
-              <a:cs typeface="Times New Roman" panose="02020603050405020304" pitchFamily="18" charset="0"/>
-            </a:endParaRPr>
           </a:p>
           <a:p>
             <a:pPr marL="285750" indent="-285750">
@@ -19608,13 +19587,13 @@
               <a:t>и </a:t>
             </a:r>
             <a:r>
-              <a:rPr lang="ru-RU" sz="2400" dirty="0" err="1" smtClean="0">
+              <a:rPr lang="ru-RU" sz="2400" dirty="0" smtClean="0">
                 <a:solidFill>
                   <a:srgbClr val="202122"/>
                 </a:solidFill>
                 <a:latin typeface="Bookman Old Style" panose="02050604050505020204" pitchFamily="18" charset="0"/>
               </a:rPr>
-              <a:t>папишем</a:t>
+              <a:t>напишем </a:t>
             </a:r>
             <a:r>
               <a:rPr lang="ru-RU" sz="2400" dirty="0" smtClean="0">
@@ -19623,7 +19602,7 @@
                 </a:solidFill>
                 <a:latin typeface="Bookman Old Style" panose="02050604050505020204" pitchFamily="18" charset="0"/>
               </a:rPr>
-              <a:t> метод-расширение для расчета площади сектора круга.</a:t>
+              <a:t>метод-расширение для расчета площади сектора круга.</a:t>
             </a:r>
           </a:p>
         </p:txBody>
@@ -24806,14 +24785,7 @@
                 <a:latin typeface="Bookman Old Style" panose="02050604050505020204" pitchFamily="18" charset="0"/>
                 <a:cs typeface="Times New Roman" panose="02020603050405020304" pitchFamily="18" charset="0"/>
               </a:rPr>
-              <a:t>Известно, что комплексные числа состоят из целой и мнимой части и для этих чисел определены операции сложения, вычитания, умножения и т.п</a:t>
-            </a:r>
-            <a:r>
-              <a:rPr lang="ru-RU" sz="2400" dirty="0" smtClean="0">
-                <a:latin typeface="Bookman Old Style" panose="02050604050505020204" pitchFamily="18" charset="0"/>
-                <a:cs typeface="Times New Roman" panose="02020603050405020304" pitchFamily="18" charset="0"/>
-              </a:rPr>
-              <a:t>.</a:t>
+              <a:t>Известно, что комплексные числа состоят из целой и мнимой части и для этих чисел определены операции сложения, вычитания, умножения и т.п.</a:t>
             </a:r>
             <a:endParaRPr lang="en-US" sz="2400" dirty="0" smtClean="0">
               <a:latin typeface="Bookman Old Style" panose="02050604050505020204" pitchFamily="18" charset="0"/>

--- a/Лекции/ИТиП 2 лек 2.pptx
+++ b/Лекции/ИТиП 2 лек 2.pptx
@@ -251,7 +251,7 @@
             <a:fld id="{AA2F9473-F066-431E-A6E8-1D478C995A6B}" type="datetimeFigureOut">
               <a:rPr lang="en-US" smtClean="0"/>
               <a:pPr/>
-              <a:t>3/11/2025</a:t>
+              <a:t>3/21/2025</a:t>
             </a:fld>
             <a:endParaRPr lang="en-US"/>
           </a:p>
@@ -4277,7 +4277,7 @@
           <p:cNvPr id="9" name="Номер слайда 3">
             <a:extLst>
               <a:ext uri="{FF2B5EF4-FFF2-40B4-BE49-F238E27FC236}">
-                <a16:creationId xmlns:a16="http://schemas.microsoft.com/office/drawing/2014/main" id="{3DF48714-7FE4-4364-BF9D-28B9C9E2979D}"/>
+                <a16:creationId xmlns:a16="http://schemas.microsoft.com/office/drawing/2014/main" xmlns="" id="{3DF48714-7FE4-4364-BF9D-28B9C9E2979D}"/>
               </a:ext>
             </a:extLst>
           </p:cNvPr>
@@ -4416,7 +4416,7 @@
           <p:cNvPr id="7" name="Номер слайда 3">
             <a:extLst>
               <a:ext uri="{FF2B5EF4-FFF2-40B4-BE49-F238E27FC236}">
-                <a16:creationId xmlns:a16="http://schemas.microsoft.com/office/drawing/2014/main" id="{3DF48714-7FE4-4364-BF9D-28B9C9E2979D}"/>
+                <a16:creationId xmlns:a16="http://schemas.microsoft.com/office/drawing/2014/main" xmlns="" id="{3DF48714-7FE4-4364-BF9D-28B9C9E2979D}"/>
               </a:ext>
             </a:extLst>
           </p:cNvPr>
@@ -4698,7 +4698,7 @@
           <p:cNvPr id="9" name="Номер слайда 3">
             <a:extLst>
               <a:ext uri="{FF2B5EF4-FFF2-40B4-BE49-F238E27FC236}">
-                <a16:creationId xmlns:a16="http://schemas.microsoft.com/office/drawing/2014/main" id="{3DF48714-7FE4-4364-BF9D-28B9C9E2979D}"/>
+                <a16:creationId xmlns:a16="http://schemas.microsoft.com/office/drawing/2014/main" xmlns="" id="{3DF48714-7FE4-4364-BF9D-28B9C9E2979D}"/>
               </a:ext>
             </a:extLst>
           </p:cNvPr>
@@ -5156,7 +5156,7 @@
           <p:cNvPr id="17" name="Заголовок 16">
             <a:extLst>
               <a:ext uri="{FF2B5EF4-FFF2-40B4-BE49-F238E27FC236}">
-                <a16:creationId xmlns:a16="http://schemas.microsoft.com/office/drawing/2014/main" id="{D630362D-1F09-46B4-9DE4-AEA483AC82FD}"/>
+                <a16:creationId xmlns:a16="http://schemas.microsoft.com/office/drawing/2014/main" xmlns="" id="{D630362D-1F09-46B4-9DE4-AEA483AC82FD}"/>
               </a:ext>
             </a:extLst>
           </p:cNvPr>
@@ -5431,7 +5431,7 @@
           <p:cNvPr id="12" name="TextBox 11">
             <a:extLst>
               <a:ext uri="{FF2B5EF4-FFF2-40B4-BE49-F238E27FC236}">
-                <a16:creationId xmlns:a16="http://schemas.microsoft.com/office/drawing/2014/main" id="{F7B00361-5492-4290-B470-295172C16526}"/>
+                <a16:creationId xmlns:a16="http://schemas.microsoft.com/office/drawing/2014/main" xmlns="" id="{F7B00361-5492-4290-B470-295172C16526}"/>
               </a:ext>
             </a:extLst>
           </p:cNvPr>
@@ -19584,25 +19584,7 @@
                 </a:solidFill>
                 <a:latin typeface="Bookman Old Style" panose="02050604050505020204" pitchFamily="18" charset="0"/>
               </a:rPr>
-              <a:t>и </a:t>
-            </a:r>
-            <a:r>
-              <a:rPr lang="ru-RU" sz="2400" dirty="0" smtClean="0">
-                <a:solidFill>
-                  <a:srgbClr val="202122"/>
-                </a:solidFill>
-                <a:latin typeface="Bookman Old Style" panose="02050604050505020204" pitchFamily="18" charset="0"/>
-              </a:rPr>
-              <a:t>напишем </a:t>
-            </a:r>
-            <a:r>
-              <a:rPr lang="ru-RU" sz="2400" dirty="0" smtClean="0">
-                <a:solidFill>
-                  <a:srgbClr val="202122"/>
-                </a:solidFill>
-                <a:latin typeface="Bookman Old Style" panose="02050604050505020204" pitchFamily="18" charset="0"/>
-              </a:rPr>
-              <a:t>метод-расширение для расчета площади сектора круга.</a:t>
+              <a:t>и напишем метод-расширение для расчета площади сектора круга.</a:t>
             </a:r>
           </a:p>
         </p:txBody>
